--- a/CloudVault.pptx
+++ b/CloudVault.pptx
@@ -15150,7 +15150,63 @@
               <a:rPr lang="en" dirty="0"/>
               <a:t>Password manager with MFA</a:t>
             </a:r>
-            <a:endParaRPr dirty="0"/>
+          </a:p>
+          <a:p>
+            <a:pPr marL="0" lvl="0" indent="0" algn="ctr" rtl="0">
+              <a:spcBef>
+                <a:spcPts val="0"/>
+              </a:spcBef>
+              <a:spcAft>
+                <a:spcPts val="0"/>
+              </a:spcAft>
+              <a:buNone/>
+            </a:pPr>
+            <a:endParaRPr lang="en" dirty="0"/>
+          </a:p>
+          <a:p>
+            <a:pPr marL="0" lvl="0" indent="0" algn="ctr" rtl="0">
+              <a:spcBef>
+                <a:spcPts val="0"/>
+              </a:spcBef>
+              <a:spcAft>
+                <a:spcPts val="0"/>
+              </a:spcAft>
+              <a:buNone/>
+            </a:pPr>
+            <a:r>
+              <a:rPr lang="en" dirty="0"/>
+              <a:t>Saul Sauca</a:t>
+            </a:r>
+          </a:p>
+          <a:p>
+            <a:pPr marL="0" lvl="0" indent="0" algn="ctr" rtl="0">
+              <a:spcBef>
+                <a:spcPts val="0"/>
+              </a:spcBef>
+              <a:spcAft>
+                <a:spcPts val="0"/>
+              </a:spcAft>
+              <a:buNone/>
+            </a:pPr>
+            <a:r>
+              <a:rPr lang="en" dirty="0"/>
+              <a:t>Guillermo Lopez de Arechavaleta</a:t>
+            </a:r>
+          </a:p>
+          <a:p>
+            <a:pPr marL="0" lvl="0" indent="0" algn="ctr" rtl="0">
+              <a:spcBef>
+                <a:spcPts val="0"/>
+              </a:spcBef>
+              <a:spcAft>
+                <a:spcPts val="0"/>
+              </a:spcAft>
+              <a:buNone/>
+            </a:pPr>
+            <a:r>
+              <a:rPr lang="en" dirty="0"/>
+              <a:t>Ricardo Silva</a:t>
+            </a:r>
           </a:p>
         </p:txBody>
       </p:sp>
